--- a/client/Mapping Parkinson’s with python.pptx
+++ b/client/Mapping Parkinson’s with python.pptx
@@ -5,16 +5,17 @@
     <p:sldMasterId id="2147483679" r:id="rId1"/>
   </p:sldMasterIdLst>
   <p:notesMasterIdLst>
-    <p:notesMasterId r:id="rId9"/>
+    <p:notesMasterId r:id="rId10"/>
   </p:notesMasterIdLst>
   <p:sldIdLst>
     <p:sldId id="256" r:id="rId2"/>
     <p:sldId id="257" r:id="rId3"/>
     <p:sldId id="258" r:id="rId4"/>
-    <p:sldId id="259" r:id="rId5"/>
-    <p:sldId id="261" r:id="rId6"/>
-    <p:sldId id="262" r:id="rId7"/>
-    <p:sldId id="260" r:id="rId8"/>
+    <p:sldId id="263" r:id="rId5"/>
+    <p:sldId id="259" r:id="rId6"/>
+    <p:sldId id="261" r:id="rId7"/>
+    <p:sldId id="262" r:id="rId8"/>
+    <p:sldId id="260" r:id="rId9"/>
   </p:sldIdLst>
   <p:sldSz cx="12192000" cy="6858000"/>
   <p:notesSz cx="6858000" cy="9144000"/>
@@ -10151,6 +10152,216 @@
           <p:cNvPr id="9" name="Rectangle 8">
             <a:extLst>
               <a:ext uri="{FF2B5EF4-FFF2-40B4-BE49-F238E27FC236}">
+                <a16:creationId xmlns:a16="http://schemas.microsoft.com/office/drawing/2014/main" id="{95CB840F-8E41-4CA5-B79B-25CC80AD234A}"/>
+              </a:ext>
+              <a:ext uri="{C183D7F6-B498-43B3-948B-1728B52AA6E4}">
+                <adec:decorative xmlns:adec="http://schemas.microsoft.com/office/drawing/2017/decorative" val="1"/>
+              </a:ext>
+            </a:extLst>
+          </p:cNvPr>
+          <p:cNvSpPr>
+            <a:spLocks noGrp="1" noRot="1" noChangeAspect="1" noMove="1" noResize="1" noEditPoints="1" noAdjustHandles="1" noChangeArrowheads="1" noChangeShapeType="1" noTextEdit="1"/>
+          </p:cNvSpPr>
+          <p:nvPr>
+            <p:extLst>
+              <p:ext uri="{386F3935-93C4-4BCD-93E2-E3B085C9AB24}">
+                <p16:designElem xmlns:p16="http://schemas.microsoft.com/office/powerpoint/2015/main" val="1"/>
+              </p:ext>
+            </p:extLst>
+          </p:nvPr>
+        </p:nvSpPr>
+        <p:spPr>
+          <a:xfrm>
+            <a:off x="0" y="0"/>
+            <a:ext cx="12192000" cy="6858000"/>
+          </a:xfrm>
+          <a:prstGeom prst="rect">
+            <a:avLst/>
+          </a:prstGeom>
+          <a:ln>
+            <a:noFill/>
+          </a:ln>
+        </p:spPr>
+        <p:style>
+          <a:lnRef idx="2">
+            <a:schemeClr val="accent1">
+              <a:shade val="50000"/>
+            </a:schemeClr>
+          </a:lnRef>
+          <a:fillRef idx="1003">
+            <a:schemeClr val="dk2"/>
+          </a:fillRef>
+          <a:effectRef idx="0">
+            <a:schemeClr val="accent1"/>
+          </a:effectRef>
+          <a:fontRef idx="minor">
+            <a:schemeClr val="lt1"/>
+          </a:fontRef>
+        </p:style>
+        <p:txBody>
+          <a:bodyPr rtlCol="0" anchor="ctr"/>
+          <a:lstStyle/>
+          <a:p>
+            <a:pPr algn="ctr"/>
+            <a:endParaRPr lang="en-US"/>
+          </a:p>
+        </p:txBody>
+      </p:sp>
+      <p:sp>
+        <p:nvSpPr>
+          <p:cNvPr id="2" name="Title 1">
+            <a:extLst>
+              <a:ext uri="{FF2B5EF4-FFF2-40B4-BE49-F238E27FC236}">
+                <a16:creationId xmlns:a16="http://schemas.microsoft.com/office/drawing/2014/main" id="{FAB1C9F2-9146-4F78-918E-FAC7B651B207}"/>
+              </a:ext>
+            </a:extLst>
+          </p:cNvPr>
+          <p:cNvSpPr>
+            <a:spLocks noGrp="1"/>
+          </p:cNvSpPr>
+          <p:nvPr>
+            <p:ph type="title"/>
+          </p:nvPr>
+        </p:nvSpPr>
+        <p:spPr>
+          <a:xfrm>
+            <a:off x="913796" y="643465"/>
+            <a:ext cx="3382638" cy="1370605"/>
+          </a:xfrm>
+        </p:spPr>
+        <p:txBody>
+          <a:bodyPr>
+            <a:normAutofit/>
+          </a:bodyPr>
+          <a:lstStyle/>
+          <a:p>
+            <a:pPr algn="l"/>
+            <a:r>
+              <a:rPr lang="en-US" sz="3000"/>
+              <a:t>Data set example </a:t>
+            </a:r>
+          </a:p>
+        </p:txBody>
+      </p:sp>
+      <p:sp>
+        <p:nvSpPr>
+          <p:cNvPr id="3" name="Content Placeholder 2">
+            <a:extLst>
+              <a:ext uri="{FF2B5EF4-FFF2-40B4-BE49-F238E27FC236}">
+                <a16:creationId xmlns:a16="http://schemas.microsoft.com/office/drawing/2014/main" id="{9E2793FF-6327-4AEE-8131-66FBF5DDBA92}"/>
+              </a:ext>
+            </a:extLst>
+          </p:cNvPr>
+          <p:cNvSpPr>
+            <a:spLocks noGrp="1"/>
+          </p:cNvSpPr>
+          <p:nvPr>
+            <p:ph idx="1"/>
+          </p:nvPr>
+        </p:nvSpPr>
+        <p:spPr>
+          <a:xfrm>
+            <a:off x="913796" y="2247153"/>
+            <a:ext cx="3358084" cy="3544046"/>
+          </a:xfrm>
+        </p:spPr>
+        <p:txBody>
+          <a:bodyPr>
+            <a:normAutofit/>
+          </a:bodyPr>
+          <a:lstStyle/>
+          <a:p>
+            <a:r>
+              <a:rPr lang="en-US" sz="1800" dirty="0"/>
+              <a:t>Taken from NIATS of the Federal University of Uberlandia (2019) </a:t>
+            </a:r>
+          </a:p>
+        </p:txBody>
+      </p:sp>
+      <p:pic>
+        <p:nvPicPr>
+          <p:cNvPr id="4" name="Picture 3">
+            <a:extLst>
+              <a:ext uri="{FF2B5EF4-FFF2-40B4-BE49-F238E27FC236}">
+                <a16:creationId xmlns:a16="http://schemas.microsoft.com/office/drawing/2014/main" id="{5D71A9B4-EB11-4EF8-9C37-2E34491C7436}"/>
+              </a:ext>
+            </a:extLst>
+          </p:cNvPr>
+          <p:cNvPicPr>
+            <a:picLocks noChangeAspect="1"/>
+          </p:cNvPicPr>
+          <p:nvPr/>
+        </p:nvPicPr>
+        <p:blipFill>
+          <a:blip r:embed="rId3"/>
+          <a:stretch>
+            <a:fillRect/>
+          </a:stretch>
+        </p:blipFill>
+        <p:spPr>
+          <a:xfrm>
+            <a:off x="4915348" y="1235669"/>
+            <a:ext cx="6633184" cy="3963327"/>
+          </a:xfrm>
+          <a:prstGeom prst="rect">
+            <a:avLst/>
+          </a:prstGeom>
+        </p:spPr>
+      </p:pic>
+    </p:spTree>
+    <p:extLst>
+      <p:ext uri="{BB962C8B-B14F-4D97-AF65-F5344CB8AC3E}">
+        <p14:creationId xmlns:p14="http://schemas.microsoft.com/office/powerpoint/2010/main" val="475655752"/>
+      </p:ext>
+    </p:extLst>
+  </p:cSld>
+  <p:clrMapOvr>
+    <a:masterClrMapping/>
+  </p:clrMapOvr>
+</p:sld>
+</file>
+
+<file path=ppt/slides/slide5.xml><?xml version="1.0" encoding="utf-8"?>
+<p:sld xmlns:a="http://schemas.openxmlformats.org/drawingml/2006/main" xmlns:r="http://schemas.openxmlformats.org/officeDocument/2006/relationships" xmlns:p="http://schemas.openxmlformats.org/presentationml/2006/main">
+  <p:cSld>
+    <p:bg>
+      <p:bgPr>
+        <a:blipFill rotWithShape="1">
+          <a:blip r:embed="rId2">
+            <a:duotone>
+              <a:schemeClr val="bg1">
+                <a:shade val="80000"/>
+                <a:lumMod val="80000"/>
+              </a:schemeClr>
+              <a:schemeClr val="bg1">
+                <a:tint val="98000"/>
+              </a:schemeClr>
+            </a:duotone>
+          </a:blip>
+          <a:stretch/>
+        </a:blipFill>
+        <a:effectLst/>
+      </p:bgPr>
+    </p:bg>
+    <p:spTree>
+      <p:nvGrpSpPr>
+        <p:cNvPr id="1" name=""/>
+        <p:cNvGrpSpPr/>
+        <p:nvPr/>
+      </p:nvGrpSpPr>
+      <p:grpSpPr>
+        <a:xfrm>
+          <a:off x="0" y="0"/>
+          <a:ext cx="0" cy="0"/>
+          <a:chOff x="0" y="0"/>
+          <a:chExt cx="0" cy="0"/>
+        </a:xfrm>
+      </p:grpSpPr>
+      <p:sp useBgFill="1">
+        <p:nvSpPr>
+          <p:cNvPr id="9" name="Rectangle 8">
+            <a:extLst>
+              <a:ext uri="{FF2B5EF4-FFF2-40B4-BE49-F238E27FC236}">
                 <a16:creationId xmlns:a16="http://schemas.microsoft.com/office/drawing/2014/main" id="{98CCEB25-E2E3-481F-A03A-19767D3E7286}"/>
               </a:ext>
               <a:ext uri="{C183D7F6-B498-43B3-948B-1728B52AA6E4}">
@@ -10372,104 +10583,6 @@
 </p:sld>
 </file>
 
-<file path=ppt/slides/slide5.xml><?xml version="1.0" encoding="utf-8"?>
-<p:sld xmlns:a="http://schemas.openxmlformats.org/drawingml/2006/main" xmlns:r="http://schemas.openxmlformats.org/officeDocument/2006/relationships" xmlns:p="http://schemas.openxmlformats.org/presentationml/2006/main">
-  <p:cSld>
-    <p:spTree>
-      <p:nvGrpSpPr>
-        <p:cNvPr id="1" name=""/>
-        <p:cNvGrpSpPr/>
-        <p:nvPr/>
-      </p:nvGrpSpPr>
-      <p:grpSpPr>
-        <a:xfrm>
-          <a:off x="0" y="0"/>
-          <a:ext cx="0" cy="0"/>
-          <a:chOff x="0" y="0"/>
-          <a:chExt cx="0" cy="0"/>
-        </a:xfrm>
-      </p:grpSpPr>
-      <p:sp>
-        <p:nvSpPr>
-          <p:cNvPr id="2" name="Title 1">
-            <a:extLst>
-              <a:ext uri="{FF2B5EF4-FFF2-40B4-BE49-F238E27FC236}">
-                <a16:creationId xmlns:a16="http://schemas.microsoft.com/office/drawing/2014/main" id="{E90C7499-EB35-48B8-A767-B59C6CC18512}"/>
-              </a:ext>
-            </a:extLst>
-          </p:cNvPr>
-          <p:cNvSpPr>
-            <a:spLocks noGrp="1"/>
-          </p:cNvSpPr>
-          <p:nvPr>
-            <p:ph type="title"/>
-          </p:nvPr>
-        </p:nvSpPr>
-        <p:spPr/>
-        <p:txBody>
-          <a:bodyPr/>
-          <a:lstStyle/>
-          <a:p>
-            <a:r>
-              <a:rPr lang="en-US" dirty="0"/>
-              <a:t>Our solution </a:t>
-            </a:r>
-          </a:p>
-        </p:txBody>
-      </p:sp>
-      <p:sp>
-        <p:nvSpPr>
-          <p:cNvPr id="3" name="Content Placeholder 2">
-            <a:extLst>
-              <a:ext uri="{FF2B5EF4-FFF2-40B4-BE49-F238E27FC236}">
-                <a16:creationId xmlns:a16="http://schemas.microsoft.com/office/drawing/2014/main" id="{AD8E0AAE-5897-439D-9101-B2302F445EB6}"/>
-              </a:ext>
-            </a:extLst>
-          </p:cNvPr>
-          <p:cNvSpPr>
-            <a:spLocks noGrp="1"/>
-          </p:cNvSpPr>
-          <p:nvPr>
-            <p:ph idx="1"/>
-          </p:nvPr>
-        </p:nvSpPr>
-        <p:spPr/>
-        <p:txBody>
-          <a:bodyPr/>
-          <a:lstStyle/>
-          <a:p>
-            <a:r>
-              <a:rPr lang="en-US" b="1" dirty="0"/>
-              <a:t>TO_DO add photos of app </a:t>
-            </a:r>
-          </a:p>
-          <a:p>
-            <a:r>
-              <a:rPr lang="en-US" dirty="0"/>
-              <a:t>Doctors can prescribe test to patient through unique email link</a:t>
-            </a:r>
-          </a:p>
-          <a:p>
-            <a:r>
-              <a:rPr lang="en-US" dirty="0"/>
-              <a:t>Will then process and send results securely for doctor to review and follow-up on through Node API </a:t>
-            </a:r>
-          </a:p>
-        </p:txBody>
-      </p:sp>
-    </p:spTree>
-    <p:extLst>
-      <p:ext uri="{BB962C8B-B14F-4D97-AF65-F5344CB8AC3E}">
-        <p14:creationId xmlns:p14="http://schemas.microsoft.com/office/powerpoint/2010/main" val="1165020406"/>
-      </p:ext>
-    </p:extLst>
-  </p:cSld>
-  <p:clrMapOvr>
-    <a:masterClrMapping/>
-  </p:clrMapOvr>
-</p:sld>
-</file>
-
 <file path=ppt/slides/slide6.xml><?xml version="1.0" encoding="utf-8"?>
 <p:sld xmlns:a="http://schemas.openxmlformats.org/drawingml/2006/main" xmlns:r="http://schemas.openxmlformats.org/officeDocument/2006/relationships" xmlns:p="http://schemas.openxmlformats.org/presentationml/2006/main">
   <p:cSld>
@@ -10492,6 +10605,104 @@
           <p:cNvPr id="2" name="Title 1">
             <a:extLst>
               <a:ext uri="{FF2B5EF4-FFF2-40B4-BE49-F238E27FC236}">
+                <a16:creationId xmlns:a16="http://schemas.microsoft.com/office/drawing/2014/main" id="{E90C7499-EB35-48B8-A767-B59C6CC18512}"/>
+              </a:ext>
+            </a:extLst>
+          </p:cNvPr>
+          <p:cNvSpPr>
+            <a:spLocks noGrp="1"/>
+          </p:cNvSpPr>
+          <p:nvPr>
+            <p:ph type="title"/>
+          </p:nvPr>
+        </p:nvSpPr>
+        <p:spPr/>
+        <p:txBody>
+          <a:bodyPr/>
+          <a:lstStyle/>
+          <a:p>
+            <a:r>
+              <a:rPr lang="en-US" dirty="0"/>
+              <a:t>Our solution </a:t>
+            </a:r>
+          </a:p>
+        </p:txBody>
+      </p:sp>
+      <p:sp>
+        <p:nvSpPr>
+          <p:cNvPr id="3" name="Content Placeholder 2">
+            <a:extLst>
+              <a:ext uri="{FF2B5EF4-FFF2-40B4-BE49-F238E27FC236}">
+                <a16:creationId xmlns:a16="http://schemas.microsoft.com/office/drawing/2014/main" id="{AD8E0AAE-5897-439D-9101-B2302F445EB6}"/>
+              </a:ext>
+            </a:extLst>
+          </p:cNvPr>
+          <p:cNvSpPr>
+            <a:spLocks noGrp="1"/>
+          </p:cNvSpPr>
+          <p:nvPr>
+            <p:ph idx="1"/>
+          </p:nvPr>
+        </p:nvSpPr>
+        <p:spPr/>
+        <p:txBody>
+          <a:bodyPr/>
+          <a:lstStyle/>
+          <a:p>
+            <a:r>
+              <a:rPr lang="en-US" b="1" dirty="0"/>
+              <a:t>TO_DO add photos of app </a:t>
+            </a:r>
+          </a:p>
+          <a:p>
+            <a:r>
+              <a:rPr lang="en-US" dirty="0"/>
+              <a:t>Doctors can prescribe test to patient through unique email link</a:t>
+            </a:r>
+          </a:p>
+          <a:p>
+            <a:r>
+              <a:rPr lang="en-US" dirty="0"/>
+              <a:t>Will then process and send results securely for doctor to review and follow-up on through Node API </a:t>
+            </a:r>
+          </a:p>
+        </p:txBody>
+      </p:sp>
+    </p:spTree>
+    <p:extLst>
+      <p:ext uri="{BB962C8B-B14F-4D97-AF65-F5344CB8AC3E}">
+        <p14:creationId xmlns:p14="http://schemas.microsoft.com/office/powerpoint/2010/main" val="1165020406"/>
+      </p:ext>
+    </p:extLst>
+  </p:cSld>
+  <p:clrMapOvr>
+    <a:masterClrMapping/>
+  </p:clrMapOvr>
+</p:sld>
+</file>
+
+<file path=ppt/slides/slide7.xml><?xml version="1.0" encoding="utf-8"?>
+<p:sld xmlns:a="http://schemas.openxmlformats.org/drawingml/2006/main" xmlns:r="http://schemas.openxmlformats.org/officeDocument/2006/relationships" xmlns:p="http://schemas.openxmlformats.org/presentationml/2006/main">
+  <p:cSld>
+    <p:spTree>
+      <p:nvGrpSpPr>
+        <p:cNvPr id="1" name=""/>
+        <p:cNvGrpSpPr/>
+        <p:nvPr/>
+      </p:nvGrpSpPr>
+      <p:grpSpPr>
+        <a:xfrm>
+          <a:off x="0" y="0"/>
+          <a:ext cx="0" cy="0"/>
+          <a:chOff x="0" y="0"/>
+          <a:chExt cx="0" cy="0"/>
+        </a:xfrm>
+      </p:grpSpPr>
+      <p:sp>
+        <p:nvSpPr>
+          <p:cNvPr id="2" name="Title 1">
+            <a:extLst>
+              <a:ext uri="{FF2B5EF4-FFF2-40B4-BE49-F238E27FC236}">
                 <a16:creationId xmlns:a16="http://schemas.microsoft.com/office/drawing/2014/main" id="{AC8BD988-A759-420C-96E7-B145711A059E}"/>
               </a:ext>
             </a:extLst>
@@ -10564,7 +10775,7 @@
 </p:sld>
 </file>
 
-<file path=ppt/slides/slide7.xml><?xml version="1.0" encoding="utf-8"?>
+<file path=ppt/slides/slide8.xml><?xml version="1.0" encoding="utf-8"?>
 <p:sld xmlns:a="http://schemas.openxmlformats.org/drawingml/2006/main" xmlns:r="http://schemas.openxmlformats.org/officeDocument/2006/relationships" xmlns:p="http://schemas.openxmlformats.org/presentationml/2006/main">
   <p:cSld>
     <p:spTree>
